--- a/Day1/1a_Introduction/Introduction.pptx
+++ b/Day1/1a_Introduction/Introduction.pptx
@@ -211,7 +211,7 @@
           <a:p>
             <a:fld id="{81459B65-4390-46DC-A909-C5AA3E7AC9F0}" type="datetimeFigureOut">
               <a:rPr lang="en-US" smtClean="0"/>
-              <a:t>3/8/2018</a:t>
+              <a:t>3/11/2018</a:t>
             </a:fld>
             <a:endParaRPr lang="en-US"/>
           </a:p>
@@ -625,7 +625,7 @@
           <a:p>
             <a:fld id="{86547700-D3C9-4C55-BC8F-E116BAECC10F}" type="datetime1">
               <a:rPr lang="en-US" smtClean="0"/>
-              <a:t>3/8/2018</a:t>
+              <a:t>3/11/2018</a:t>
             </a:fld>
             <a:endParaRPr lang="en-US"/>
           </a:p>
@@ -823,7 +823,7 @@
           <a:p>
             <a:fld id="{DA1D32CA-6779-4FC6-92C4-0940039BADF1}" type="datetime1">
               <a:rPr lang="en-US" smtClean="0"/>
-              <a:t>3/8/2018</a:t>
+              <a:t>3/11/2018</a:t>
             </a:fld>
             <a:endParaRPr lang="en-US"/>
           </a:p>
@@ -1031,7 +1031,7 @@
           <a:p>
             <a:fld id="{DB559521-031E-45BD-8702-96BCDBBD24E0}" type="datetime1">
               <a:rPr lang="en-US" smtClean="0"/>
-              <a:t>3/8/2018</a:t>
+              <a:t>3/11/2018</a:t>
             </a:fld>
             <a:endParaRPr lang="en-US"/>
           </a:p>
@@ -1267,7 +1267,7 @@
           <a:p>
             <a:fld id="{8E42898A-6F54-484B-BAD3-DE9B7827CE5F}" type="datetime1">
               <a:rPr lang="en-US" smtClean="0"/>
-              <a:t>3/8/2018</a:t>
+              <a:t>3/11/2018</a:t>
             </a:fld>
             <a:endParaRPr lang="en-US"/>
           </a:p>
@@ -1555,7 +1555,7 @@
           <a:p>
             <a:fld id="{D50F6A7C-2923-4D93-A5F0-B90384B5C072}" type="datetime1">
               <a:rPr lang="en-US" smtClean="0"/>
-              <a:t>3/8/2018</a:t>
+              <a:t>3/11/2018</a:t>
             </a:fld>
             <a:endParaRPr lang="en-US"/>
           </a:p>
@@ -1820,7 +1820,7 @@
           <a:p>
             <a:fld id="{9FE5D702-24D7-4DBC-94BE-A5174157B0AC}" type="datetime1">
               <a:rPr lang="en-US" smtClean="0"/>
-              <a:t>3/8/2018</a:t>
+              <a:t>3/11/2018</a:t>
             </a:fld>
             <a:endParaRPr lang="en-US"/>
           </a:p>
@@ -2232,7 +2232,7 @@
           <a:p>
             <a:fld id="{6260D8B6-3C41-4FF4-BF58-CFF177FE383F}" type="datetime1">
               <a:rPr lang="en-US" smtClean="0"/>
-              <a:t>3/8/2018</a:t>
+              <a:t>3/11/2018</a:t>
             </a:fld>
             <a:endParaRPr lang="en-US"/>
           </a:p>
@@ -2373,7 +2373,7 @@
           <a:p>
             <a:fld id="{0704D4B7-3602-4C67-ADB2-AB9DB103982C}" type="datetime1">
               <a:rPr lang="en-US" smtClean="0"/>
-              <a:t>3/8/2018</a:t>
+              <a:t>3/11/2018</a:t>
             </a:fld>
             <a:endParaRPr lang="en-US"/>
           </a:p>
@@ -2486,7 +2486,7 @@
           <a:p>
             <a:fld id="{23944914-5B74-4E63-890F-EA891B419008}" type="datetime1">
               <a:rPr lang="en-US" smtClean="0"/>
-              <a:t>3/8/2018</a:t>
+              <a:t>3/11/2018</a:t>
             </a:fld>
             <a:endParaRPr lang="en-US"/>
           </a:p>
@@ -2797,7 +2797,7 @@
           <a:p>
             <a:fld id="{DD829AD0-B3EB-46FF-9104-F413E8CD7EA1}" type="datetime1">
               <a:rPr lang="en-US" smtClean="0"/>
-              <a:t>3/8/2018</a:t>
+              <a:t>3/11/2018</a:t>
             </a:fld>
             <a:endParaRPr lang="en-US"/>
           </a:p>
@@ -3085,7 +3085,7 @@
           <a:p>
             <a:fld id="{3BE94D8D-B2DD-4F72-BFDB-EDC58942B9BD}" type="datetime1">
               <a:rPr lang="en-US" smtClean="0"/>
-              <a:t>3/8/2018</a:t>
+              <a:t>3/11/2018</a:t>
             </a:fld>
             <a:endParaRPr lang="en-US"/>
           </a:p>
@@ -3326,7 +3326,7 @@
           <a:p>
             <a:fld id="{AE41816F-9438-4258-9D6F-F7710D03DEE3}" type="datetime1">
               <a:rPr lang="en-US" smtClean="0"/>
-              <a:t>3/8/2018</a:t>
+              <a:t>3/11/2018</a:t>
             </a:fld>
             <a:endParaRPr lang="en-US"/>
           </a:p>
@@ -4206,7 +4206,7 @@
           <a:graphicData uri="http://schemas.openxmlformats.org/presentationml/2006/ole">
             <mc:AlternateContent xmlns:mc="http://schemas.openxmlformats.org/markup-compatibility/2006">
               <mc:Choice xmlns:v="urn:schemas-microsoft-com:vml" Requires="v">
-                <p:oleObj spid="_x0000_s6174" name="Equation" r:id="rId3" imgW="1219200" imgH="419100" progId="Equation.DSMT4">
+                <p:oleObj spid="_x0000_s6179" name="Equation" r:id="rId3" imgW="1219200" imgH="419100" progId="Equation.DSMT4">
                   <p:embed/>
                 </p:oleObj>
               </mc:Choice>
@@ -11010,36 +11010,25 @@
           <a:p>
             <a:r>
               <a:rPr lang="en-US" dirty="0"/>
-              <a:t>Given a set of data and probability model, maximum likelihood chooses the values of parameters that make the data “most likely”</a:t>
+              <a:t>Expresses how well the data </a:t>
+            </a:r>
+            <a:r>
+              <a:rPr lang="en-US" b="1" dirty="0"/>
+              <a:t>support</a:t>
+            </a:r>
+            <a:r>
+              <a:rPr lang="en-US" dirty="0"/>
+              <a:t> a parameter value or hypothesis</a:t>
             </a:r>
           </a:p>
           <a:p>
             <a:endParaRPr lang="en-US" dirty="0"/>
           </a:p>
           <a:p>
+            <a:pPr marL="0" indent="0">
+              <a:buNone/>
+            </a:pPr>
             <a:endParaRPr lang="en-US" dirty="0"/>
-          </a:p>
-          <a:p>
-            <a:r>
-              <a:rPr lang="en-US" dirty="0"/>
-              <a:t>Likelihood of the data </a:t>
-            </a:r>
-            <a:r>
-              <a:rPr lang="en-US" i="1" dirty="0"/>
-              <a:t>D</a:t>
-            </a:r>
-            <a:r>
-              <a:rPr lang="en-US" dirty="0"/>
-              <a:t> given parameter(s) </a:t>
-            </a:r>
-            <a:r>
-              <a:rPr lang="en-US" i="1" dirty="0"/>
-              <a:t>p</a:t>
-            </a:r>
-            <a:r>
-              <a:rPr lang="en-US" dirty="0"/>
-              <a:t> is the probability of the data given the parameter(s).</a:t>
-            </a:r>
           </a:p>
           <a:p>
             <a:r>
@@ -11070,7 +11059,16 @@
               </a:rPr>
               <a:t>= knowing data  estimating parameters</a:t>
             </a:r>
-            <a:endParaRPr lang="en-US" b="1" dirty="0"/>
+          </a:p>
+          <a:p>
+            <a:pPr lvl="1"/>
+            <a:r>
+              <a:rPr lang="en-US" dirty="0">
+                <a:sym typeface="Wingdings" panose="05000000000000000000" pitchFamily="2" charset="2"/>
+              </a:rPr>
+              <a:t>Like residual sum of squares, but more useful: not only point estimate, but also uncertainty</a:t>
+            </a:r>
+            <a:endParaRPr lang="en-US" dirty="0"/>
           </a:p>
           <a:p>
             <a:endParaRPr lang="en-US" i="1" dirty="0"/>
@@ -11107,117 +11105,142 @@
           </a:p>
         </p:txBody>
       </p:sp>
-      <p:graphicFrame>
-        <p:nvGraphicFramePr>
-          <p:cNvPr id="5" name="Object 5">
-            <a:extLst>
-              <a:ext uri="{FF2B5EF4-FFF2-40B4-BE49-F238E27FC236}">
-                <a16:creationId xmlns:a16="http://schemas.microsoft.com/office/drawing/2014/main" id="{A387D328-EF32-479D-B906-B4F6C2E07C9F}"/>
-              </a:ext>
-            </a:extLst>
-          </p:cNvPr>
-          <p:cNvGraphicFramePr>
-            <a:graphicFrameLocks noChangeAspect="1"/>
-          </p:cNvGraphicFramePr>
-          <p:nvPr>
-            <p:extLst>
-              <p:ext uri="{D42A27DB-BD31-4B8C-83A1-F6EECF244321}">
-                <p14:modId xmlns:p14="http://schemas.microsoft.com/office/powerpoint/2010/main" val="455764915"/>
-              </p:ext>
-            </p:extLst>
-          </p:nvPr>
-        </p:nvGraphicFramePr>
-        <p:xfrm>
-          <a:off x="4016875" y="3429000"/>
-          <a:ext cx="3487737" cy="508000"/>
-        </p:xfrm>
-        <a:graphic>
-          <a:graphicData uri="http://schemas.openxmlformats.org/presentationml/2006/ole">
-            <mc:AlternateContent xmlns:mc="http://schemas.openxmlformats.org/markup-compatibility/2006">
-              <mc:Choice xmlns:v="urn:schemas-microsoft-com:vml" Requires="v">
-                <p:oleObj spid="_x0000_s2144" name="Equation" r:id="rId3" imgW="1396394" imgH="203112" progId="Equation.DSMT4">
-                  <p:embed/>
-                </p:oleObj>
-              </mc:Choice>
-              <mc:Fallback>
-                <p:oleObj name="Equation" r:id="rId3" imgW="1396394" imgH="203112" progId="Equation.DSMT4">
-                  <p:embed/>
-                  <p:pic>
-                    <p:nvPicPr>
-                      <p:cNvPr id="16388" name="Object 5">
-                        <a:extLst>
-                          <a:ext uri="{FF2B5EF4-FFF2-40B4-BE49-F238E27FC236}">
-                            <a16:creationId xmlns:a16="http://schemas.microsoft.com/office/drawing/2014/main" id="{7B849581-FE84-49F7-B08D-758085A4AFAD}"/>
-                          </a:ext>
-                        </a:extLst>
-                      </p:cNvPr>
-                      <p:cNvPicPr>
-                        <a:picLocks noChangeAspect="1" noChangeArrowheads="1"/>
-                      </p:cNvPicPr>
-                      <p:nvPr/>
-                    </p:nvPicPr>
-                    <p:blipFill>
-                      <a:blip r:embed="rId4">
-                        <a:extLst>
-                          <a:ext uri="{28A0092B-C50C-407E-A947-70E740481C1C}">
-                            <a14:useLocalDpi xmlns:a14="http://schemas.microsoft.com/office/drawing/2010/main" val="0"/>
-                          </a:ext>
-                        </a:extLst>
-                      </a:blip>
-                      <a:srcRect/>
-                      <a:stretch>
-                        <a:fillRect/>
-                      </a:stretch>
-                    </p:blipFill>
-                    <p:spPr bwMode="auto">
-                      <a:xfrm>
-                        <a:off x="4016875" y="3429000"/>
-                        <a:ext cx="3487737" cy="508000"/>
-                      </a:xfrm>
-                      <a:prstGeom prst="rect">
-                        <a:avLst/>
-                      </a:prstGeom>
-                      <a:noFill/>
-                      <a:ln>
-                        <a:noFill/>
-                      </a:ln>
-                      <a:effectLst/>
-                      <a:extLst>
-                        <a:ext uri="{909E8E84-426E-40DD-AFC4-6F175D3DCCD1}">
-                          <a14:hiddenFill xmlns:a14="http://schemas.microsoft.com/office/drawing/2010/main">
-                            <a:solidFill>
-                              <a:srgbClr val="FFFFFF"/>
-                            </a:solidFill>
-                          </a14:hiddenFill>
-                        </a:ext>
-                        <a:ext uri="{91240B29-F687-4F45-9708-019B960494DF}">
-                          <a14:hiddenLine xmlns:a14="http://schemas.microsoft.com/office/drawing/2010/main" w="9525">
-                            <a:solidFill>
-                              <a:srgbClr val="000000"/>
-                            </a:solidFill>
-                            <a:miter lim="800000"/>
-                            <a:headEnd/>
-                            <a:tailEnd/>
-                          </a14:hiddenLine>
-                        </a:ext>
-                        <a:ext uri="{AF507438-7753-43E0-B8FC-AC1667EBCBE1}">
-                          <a14:hiddenEffects xmlns:a14="http://schemas.microsoft.com/office/drawing/2010/main">
-                            <a:effectLst>
-                              <a:outerShdw dist="35921" dir="2700000" algn="ctr" rotWithShape="0">
-                                <a:srgbClr val="808080"/>
-                              </a:outerShdw>
-                            </a:effectLst>
-                          </a14:hiddenEffects>
-                        </a:ext>
-                      </a:extLst>
-                    </p:spPr>
-                  </p:pic>
-                </p:oleObj>
-              </mc:Fallback>
-            </mc:AlternateContent>
-          </a:graphicData>
-        </a:graphic>
-      </p:graphicFrame>
+      <mc:AlternateContent xmlns:mc="http://schemas.openxmlformats.org/markup-compatibility/2006">
+        <mc:Choice xmlns:a14="http://schemas.microsoft.com/office/drawing/2010/main" Requires="a14">
+          <p:sp>
+            <p:nvSpPr>
+              <p:cNvPr id="6" name="TextBox 5">
+                <a:extLst>
+                  <a:ext uri="{FF2B5EF4-FFF2-40B4-BE49-F238E27FC236}">
+                    <a16:creationId xmlns:a16="http://schemas.microsoft.com/office/drawing/2014/main" id="{CCC8CEC3-79E5-4756-81F6-E23C6103FC9A}"/>
+                  </a:ext>
+                </a:extLst>
+              </p:cNvPr>
+              <p:cNvSpPr txBox="1"/>
+              <p:nvPr/>
+            </p:nvSpPr>
+            <p:spPr>
+              <a:xfrm>
+                <a:off x="4449535" y="2694214"/>
+                <a:ext cx="2179251" cy="553998"/>
+              </a:xfrm>
+              <a:prstGeom prst="rect">
+                <a:avLst/>
+              </a:prstGeom>
+              <a:noFill/>
+            </p:spPr>
+            <p:txBody>
+              <a:bodyPr wrap="none" lIns="0" tIns="0" rIns="0" bIns="0" rtlCol="0">
+                <a:spAutoFit/>
+              </a:bodyPr>
+              <a:lstStyle/>
+              <a:p>
+                <a:pPr/>
+                <a14:m>
+                  <m:oMathPara xmlns:m="http://schemas.openxmlformats.org/officeDocument/2006/math">
+                    <m:oMathParaPr>
+                      <m:jc m:val="centerGroup"/>
+                    </m:oMathParaPr>
+                    <m:oMath xmlns:m="http://schemas.openxmlformats.org/officeDocument/2006/math">
+                      <m:r>
+                        <a:rPr lang="en-US" sz="3600" b="0" i="1" smtClean="0">
+                          <a:latin typeface="Cambria Math" panose="02040503050406030204" pitchFamily="18" charset="0"/>
+                        </a:rPr>
+                        <m:t>𝐿</m:t>
+                      </m:r>
+                      <m:r>
+                        <a:rPr lang="en-US" sz="3600" b="0" i="1" smtClean="0">
+                          <a:latin typeface="Cambria Math" panose="02040503050406030204" pitchFamily="18" charset="0"/>
+                        </a:rPr>
+                        <m:t>(</m:t>
+                      </m:r>
+                      <m:r>
+                        <a:rPr lang="en-US" sz="3600" b="0" i="1" smtClean="0">
+                          <a:latin typeface="Cambria Math" panose="02040503050406030204" pitchFamily="18" charset="0"/>
+                        </a:rPr>
+                        <m:t>𝑝</m:t>
+                      </m:r>
+                      <m:r>
+                        <a:rPr lang="en-US" sz="3600" b="0" i="1" smtClean="0">
+                          <a:latin typeface="Cambria Math" panose="02040503050406030204" pitchFamily="18" charset="0"/>
+                          <a:ea typeface="Cambria Math" panose="02040503050406030204" pitchFamily="18" charset="0"/>
+                        </a:rPr>
+                        <m:t>|</m:t>
+                      </m:r>
+                      <m:r>
+                        <a:rPr lang="en-US" sz="3600" b="0" i="1" smtClean="0">
+                          <a:latin typeface="Cambria Math" panose="02040503050406030204" pitchFamily="18" charset="0"/>
+                          <a:ea typeface="Cambria Math" panose="02040503050406030204" pitchFamily="18" charset="0"/>
+                        </a:rPr>
+                        <m:t>𝐷</m:t>
+                      </m:r>
+                      <m:r>
+                        <a:rPr lang="en-US" sz="3600" b="0" i="1" smtClean="0">
+                          <a:latin typeface="Cambria Math" panose="02040503050406030204" pitchFamily="18" charset="0"/>
+                          <a:ea typeface="Cambria Math" panose="02040503050406030204" pitchFamily="18" charset="0"/>
+                        </a:rPr>
+                        <m:t>𝑎𝑡𝑎</m:t>
+                      </m:r>
+                      <m:r>
+                        <a:rPr lang="en-US" sz="3600" b="0" i="1" smtClean="0">
+                          <a:latin typeface="Cambria Math" panose="02040503050406030204" pitchFamily="18" charset="0"/>
+                          <a:ea typeface="Cambria Math" panose="02040503050406030204" pitchFamily="18" charset="0"/>
+                        </a:rPr>
+                        <m:t>)</m:t>
+                      </m:r>
+                    </m:oMath>
+                  </m:oMathPara>
+                </a14:m>
+                <a:endParaRPr lang="en-US" sz="3600" dirty="0"/>
+              </a:p>
+            </p:txBody>
+          </p:sp>
+        </mc:Choice>
+        <mc:Fallback>
+          <p:sp>
+            <p:nvSpPr>
+              <p:cNvPr id="6" name="TextBox 5">
+                <a:extLst>
+                  <a:ext uri="{FF2B5EF4-FFF2-40B4-BE49-F238E27FC236}">
+                    <a16:creationId xmlns:a16="http://schemas.microsoft.com/office/drawing/2014/main" id="{CCC8CEC3-79E5-4756-81F6-E23C6103FC9A}"/>
+                  </a:ext>
+                </a:extLst>
+              </p:cNvPr>
+              <p:cNvSpPr txBox="1">
+                <a:spLocks noRot="1" noChangeAspect="1" noMove="1" noResize="1" noEditPoints="1" noAdjustHandles="1" noChangeArrowheads="1" noChangeShapeType="1" noTextEdit="1"/>
+              </p:cNvSpPr>
+              <p:nvPr/>
+            </p:nvSpPr>
+            <p:spPr>
+              <a:xfrm>
+                <a:off x="4449535" y="2694214"/>
+                <a:ext cx="2179251" cy="553998"/>
+              </a:xfrm>
+              <a:prstGeom prst="rect">
+                <a:avLst/>
+              </a:prstGeom>
+              <a:blipFill>
+                <a:blip r:embed="rId2"/>
+                <a:stretch>
+                  <a:fillRect/>
+                </a:stretch>
+              </a:blipFill>
+            </p:spPr>
+            <p:txBody>
+              <a:bodyPr/>
+              <a:lstStyle/>
+              <a:p>
+                <a:r>
+                  <a:rPr lang="en-US">
+                    <a:noFill/>
+                  </a:rPr>
+                  <a:t> </a:t>
+                </a:r>
+              </a:p>
+            </p:txBody>
+          </p:sp>
+        </mc:Fallback>
+      </mc:AlternateContent>
     </p:spTree>
     <p:extLst>
       <p:ext uri="{BB962C8B-B14F-4D97-AF65-F5344CB8AC3E}">
@@ -11295,13 +11318,19 @@
         <p:spPr/>
         <p:txBody>
           <a:bodyPr>
-            <a:normAutofit fontScale="92500" lnSpcReduction="10000"/>
+            <a:normAutofit fontScale="92500" lnSpcReduction="20000"/>
           </a:bodyPr>
           <a:lstStyle/>
           <a:p>
             <a:r>
               <a:rPr lang="en-US" dirty="0"/>
-              <a:t>If the data consist of two parts </a:t>
+              <a:t>We can fit a model to many types of data at once and combine the likelihood components with simple multiplication</a:t>
+            </a:r>
+          </a:p>
+          <a:p>
+            <a:r>
+              <a:rPr lang="en-US" dirty="0"/>
+              <a:t>The likelihood of the data D = </a:t>
             </a:r>
             <a:r>
               <a:rPr lang="en-US" i="1" dirty="0"/>
@@ -11309,11 +11338,19 @@
             </a:r>
             <a:r>
               <a:rPr lang="en-US" i="1" baseline="-25000" dirty="0"/>
-              <a:t>1</a:t>
+              <a:t>1 </a:t>
+            </a:r>
+            <a:r>
+              <a:rPr lang="en-US" i="1" dirty="0"/>
+              <a:t>+ D</a:t>
+            </a:r>
+            <a:r>
+              <a:rPr lang="en-US" i="1" baseline="-25000" dirty="0"/>
+              <a:t>2</a:t>
             </a:r>
             <a:r>
               <a:rPr lang="en-US" dirty="0"/>
-              <a:t> and </a:t>
+              <a:t> is the product of the likelihoods of each </a:t>
             </a:r>
             <a:r>
               <a:rPr lang="en-US" i="1" dirty="0"/>
@@ -11321,17 +11358,15 @@
             </a:r>
             <a:r>
               <a:rPr lang="en-US" i="1" baseline="-25000" dirty="0"/>
-              <a:t>2</a:t>
+              <a:t>1</a:t>
             </a:r>
             <a:r>
               <a:rPr lang="en-US" i="1" dirty="0"/>
-              <a:t>:</a:t>
-            </a:r>
-          </a:p>
-          <a:p>
+              <a:t> </a:t>
+            </a:r>
             <a:r>
               <a:rPr lang="en-US" dirty="0"/>
-              <a:t>The likelihood of the data D = </a:t>
+              <a:t>and </a:t>
             </a:r>
             <a:r>
               <a:rPr lang="en-US" i="1" dirty="0"/>
@@ -11339,42 +11374,6 @@
             </a:r>
             <a:r>
               <a:rPr lang="en-US" i="1" baseline="-25000" dirty="0"/>
-              <a:t>1 </a:t>
-            </a:r>
-            <a:r>
-              <a:rPr lang="en-US" i="1" dirty="0"/>
-              <a:t>+ D</a:t>
-            </a:r>
-            <a:r>
-              <a:rPr lang="en-US" i="1" baseline="-25000" dirty="0"/>
-              <a:t>2</a:t>
-            </a:r>
-            <a:r>
-              <a:rPr lang="en-US" dirty="0"/>
-              <a:t> is the product of the likelihoods of each </a:t>
-            </a:r>
-            <a:r>
-              <a:rPr lang="en-US" i="1" dirty="0"/>
-              <a:t>D</a:t>
-            </a:r>
-            <a:r>
-              <a:rPr lang="en-US" i="1" baseline="-25000" dirty="0"/>
-              <a:t>1</a:t>
-            </a:r>
-            <a:r>
-              <a:rPr lang="en-US" i="1" dirty="0"/>
-              <a:t> </a:t>
-            </a:r>
-            <a:r>
-              <a:rPr lang="en-US" dirty="0"/>
-              <a:t>and </a:t>
-            </a:r>
-            <a:r>
-              <a:rPr lang="en-US" i="1" dirty="0"/>
-              <a:t>D</a:t>
-            </a:r>
-            <a:r>
-              <a:rPr lang="en-US" i="1" baseline="-25000" dirty="0"/>
               <a:t>2</a:t>
             </a:r>
             <a:r>
@@ -11400,28 +11399,6 @@
           <a:p>
             <a:r>
               <a:rPr lang="en-US" dirty="0"/>
-              <a:t>D</a:t>
-            </a:r>
-            <a:r>
-              <a:rPr lang="en-US" baseline="-25000" dirty="0"/>
-              <a:t>1 </a:t>
-            </a:r>
-            <a:r>
-              <a:rPr lang="en-US" dirty="0"/>
-              <a:t>and D</a:t>
-            </a:r>
-            <a:r>
-              <a:rPr lang="en-US" baseline="-25000" dirty="0"/>
-              <a:t>2</a:t>
-            </a:r>
-            <a:r>
-              <a:rPr lang="en-US" dirty="0"/>
-              <a:t> can be multiple types of data</a:t>
-            </a:r>
-          </a:p>
-          <a:p>
-            <a:r>
-              <a:rPr lang="en-US" dirty="0"/>
               <a:t>Integrated models: e.g. tag </a:t>
             </a:r>
             <a:r>
@@ -11431,6 +11408,12 @@
             <a:r>
               <a:rPr lang="en-US" dirty="0"/>
               <a:t>, abundance index, etc.</a:t>
+            </a:r>
+          </a:p>
+          <a:p>
+            <a:r>
+              <a:rPr lang="en-US" dirty="0"/>
+              <a:t>Unified framework, for simple or complex models</a:t>
             </a:r>
           </a:p>
           <a:p>
@@ -11499,7 +11482,7 @@
           <a:graphicData uri="http://schemas.openxmlformats.org/presentationml/2006/ole">
             <mc:AlternateContent xmlns:mc="http://schemas.openxmlformats.org/markup-compatibility/2006">
               <mc:Choice xmlns:v="urn:schemas-microsoft-com:vml" Requires="v">
-                <p:oleObj spid="_x0000_s3166" name="Equation" r:id="rId3" imgW="1790700" imgH="228600" progId="Equation.DSMT4">
+                <p:oleObj spid="_x0000_s3171" name="Equation" r:id="rId3" imgW="1790700" imgH="228600" progId="Equation.DSMT4">
                   <p:embed/>
                 </p:oleObj>
               </mc:Choice>
@@ -12044,7 +12027,7 @@
               <a:buNone/>
             </a:pPr>
             <a:r>
-              <a:rPr lang="en-AU" altLang="en-US" sz="2400"/>
+              <a:rPr lang="en-AU" altLang="en-US" sz="2400" dirty="0"/>
               <a:t>Data point 2</a:t>
             </a:r>
           </a:p>

--- a/Day1/1a_Introduction/Introduction.pptx
+++ b/Day1/1a_Introduction/Introduction.pptx
@@ -211,7 +211,7 @@
           <a:p>
             <a:fld id="{81459B65-4390-46DC-A909-C5AA3E7AC9F0}" type="datetimeFigureOut">
               <a:rPr lang="en-US" smtClean="0"/>
-              <a:t>3/11/2018</a:t>
+              <a:t>3/12/2018</a:t>
             </a:fld>
             <a:endParaRPr lang="en-US"/>
           </a:p>
@@ -625,7 +625,7 @@
           <a:p>
             <a:fld id="{86547700-D3C9-4C55-BC8F-E116BAECC10F}" type="datetime1">
               <a:rPr lang="en-US" smtClean="0"/>
-              <a:t>3/11/2018</a:t>
+              <a:t>3/12/2018</a:t>
             </a:fld>
             <a:endParaRPr lang="en-US"/>
           </a:p>
@@ -823,7 +823,7 @@
           <a:p>
             <a:fld id="{DA1D32CA-6779-4FC6-92C4-0940039BADF1}" type="datetime1">
               <a:rPr lang="en-US" smtClean="0"/>
-              <a:t>3/11/2018</a:t>
+              <a:t>3/12/2018</a:t>
             </a:fld>
             <a:endParaRPr lang="en-US"/>
           </a:p>
@@ -1031,7 +1031,7 @@
           <a:p>
             <a:fld id="{DB559521-031E-45BD-8702-96BCDBBD24E0}" type="datetime1">
               <a:rPr lang="en-US" smtClean="0"/>
-              <a:t>3/11/2018</a:t>
+              <a:t>3/12/2018</a:t>
             </a:fld>
             <a:endParaRPr lang="en-US"/>
           </a:p>
@@ -1267,7 +1267,7 @@
           <a:p>
             <a:fld id="{8E42898A-6F54-484B-BAD3-DE9B7827CE5F}" type="datetime1">
               <a:rPr lang="en-US" smtClean="0"/>
-              <a:t>3/11/2018</a:t>
+              <a:t>3/12/2018</a:t>
             </a:fld>
             <a:endParaRPr lang="en-US"/>
           </a:p>
@@ -1555,7 +1555,7 @@
           <a:p>
             <a:fld id="{D50F6A7C-2923-4D93-A5F0-B90384B5C072}" type="datetime1">
               <a:rPr lang="en-US" smtClean="0"/>
-              <a:t>3/11/2018</a:t>
+              <a:t>3/12/2018</a:t>
             </a:fld>
             <a:endParaRPr lang="en-US"/>
           </a:p>
@@ -1820,7 +1820,7 @@
           <a:p>
             <a:fld id="{9FE5D702-24D7-4DBC-94BE-A5174157B0AC}" type="datetime1">
               <a:rPr lang="en-US" smtClean="0"/>
-              <a:t>3/11/2018</a:t>
+              <a:t>3/12/2018</a:t>
             </a:fld>
             <a:endParaRPr lang="en-US"/>
           </a:p>
@@ -2232,7 +2232,7 @@
           <a:p>
             <a:fld id="{6260D8B6-3C41-4FF4-BF58-CFF177FE383F}" type="datetime1">
               <a:rPr lang="en-US" smtClean="0"/>
-              <a:t>3/11/2018</a:t>
+              <a:t>3/12/2018</a:t>
             </a:fld>
             <a:endParaRPr lang="en-US"/>
           </a:p>
@@ -2373,7 +2373,7 @@
           <a:p>
             <a:fld id="{0704D4B7-3602-4C67-ADB2-AB9DB103982C}" type="datetime1">
               <a:rPr lang="en-US" smtClean="0"/>
-              <a:t>3/11/2018</a:t>
+              <a:t>3/12/2018</a:t>
             </a:fld>
             <a:endParaRPr lang="en-US"/>
           </a:p>
@@ -2486,7 +2486,7 @@
           <a:p>
             <a:fld id="{23944914-5B74-4E63-890F-EA891B419008}" type="datetime1">
               <a:rPr lang="en-US" smtClean="0"/>
-              <a:t>3/11/2018</a:t>
+              <a:t>3/12/2018</a:t>
             </a:fld>
             <a:endParaRPr lang="en-US"/>
           </a:p>
@@ -2797,7 +2797,7 @@
           <a:p>
             <a:fld id="{DD829AD0-B3EB-46FF-9104-F413E8CD7EA1}" type="datetime1">
               <a:rPr lang="en-US" smtClean="0"/>
-              <a:t>3/11/2018</a:t>
+              <a:t>3/12/2018</a:t>
             </a:fld>
             <a:endParaRPr lang="en-US"/>
           </a:p>
@@ -3085,7 +3085,7 @@
           <a:p>
             <a:fld id="{3BE94D8D-B2DD-4F72-BFDB-EDC58942B9BD}" type="datetime1">
               <a:rPr lang="en-US" smtClean="0"/>
-              <a:t>3/11/2018</a:t>
+              <a:t>3/12/2018</a:t>
             </a:fld>
             <a:endParaRPr lang="en-US"/>
           </a:p>
@@ -3326,7 +3326,7 @@
           <a:p>
             <a:fld id="{AE41816F-9438-4258-9D6F-F7710D03DEE3}" type="datetime1">
               <a:rPr lang="en-US" smtClean="0"/>
-              <a:t>3/11/2018</a:t>
+              <a:t>3/12/2018</a:t>
             </a:fld>
             <a:endParaRPr lang="en-US"/>
           </a:p>
@@ -4206,7 +4206,7 @@
           <a:graphicData uri="http://schemas.openxmlformats.org/presentationml/2006/ole">
             <mc:AlternateContent xmlns:mc="http://schemas.openxmlformats.org/markup-compatibility/2006">
               <mc:Choice xmlns:v="urn:schemas-microsoft-com:vml" Requires="v">
-                <p:oleObj spid="_x0000_s6179" name="Equation" r:id="rId3" imgW="1219200" imgH="419100" progId="Equation.DSMT4">
+                <p:oleObj spid="_x0000_s6181" name="Equation" r:id="rId3" imgW="1219200" imgH="419100" progId="Equation.DSMT4">
                   <p:embed/>
                 </p:oleObj>
               </mc:Choice>
@@ -9993,7 +9993,7 @@
             <p:ph idx="1"/>
             <p:extLst>
               <p:ext uri="{D42A27DB-BD31-4B8C-83A1-F6EECF244321}">
-                <p14:modId xmlns:p14="http://schemas.microsoft.com/office/powerpoint/2010/main" val="3645009658"/>
+                <p14:modId xmlns:p14="http://schemas.microsoft.com/office/powerpoint/2010/main" val="2172111910"/>
               </p:ext>
             </p:extLst>
           </p:nvPr>
@@ -10146,14 +10146,11 @@
                         <a:buChar char="•"/>
                       </a:pPr>
                       <a:r>
-                        <a:rPr lang="en-US" sz="2000">
+                        <a:rPr lang="en-US" sz="2000" dirty="0">
                           <a:latin typeface="Helvetica" panose="020B0504020202030204" pitchFamily="34" charset="0"/>
                         </a:rPr>
-                        <a:t>Estimating uncertainty</a:t>
+                        <a:t>Forecasting</a:t>
                       </a:r>
-                      <a:endParaRPr lang="en-US" sz="2000" dirty="0">
-                        <a:latin typeface="Helvetica" panose="020B0504020202030204" pitchFamily="34" charset="0"/>
-                      </a:endParaRPr>
                     </a:p>
                   </a:txBody>
                   <a:tcPr/>
@@ -10199,17 +10196,20 @@
                         <a:rPr lang="en-US" sz="2000" dirty="0">
                           <a:latin typeface="Helvetica" panose="020B0504020202030204" pitchFamily="34" charset="0"/>
                         </a:rPr>
-                        <a:t>Reading ADMB </a:t>
+                        <a:t>Non-linear models</a:t>
                       </a:r>
+                    </a:p>
+                    <a:p>
+                      <a:pPr marL="285750" indent="-285750">
+                        <a:buFont typeface="Arial" panose="020B0604020202020204" pitchFamily="34" charset="0"/>
+                        <a:buChar char="•"/>
+                      </a:pPr>
                       <a:r>
-                        <a:rPr lang="en-US" sz="2000">
+                        <a:rPr lang="en-US" sz="2000" dirty="0">
                           <a:latin typeface="Helvetica" panose="020B0504020202030204" pitchFamily="34" charset="0"/>
                         </a:rPr>
-                        <a:t>results into R</a:t>
+                        <a:t>Age-structured models</a:t>
                       </a:r>
-                      <a:endParaRPr lang="en-US" sz="2000" dirty="0">
-                        <a:latin typeface="Helvetica" panose="020B0504020202030204" pitchFamily="34" charset="0"/>
-                      </a:endParaRPr>
                     </a:p>
                     <a:p>
                       <a:pPr marL="285750" marR="0" lvl="0" indent="-285750" algn="l" defTabSz="914400" rtl="0" eaLnBrk="1" fontAlgn="auto" latinLnBrk="0" hangingPunct="1">
@@ -10233,31 +10233,32 @@
                         <a:rPr lang="en-US" sz="2000" dirty="0">
                           <a:latin typeface="Helvetica" panose="020B0504020202030204" pitchFamily="34" charset="0"/>
                         </a:rPr>
-                        <a:t>Non-linear models</a:t>
+                        <a:t>ADMB and R</a:t>
                       </a:r>
                     </a:p>
                     <a:p>
-                      <a:pPr marL="285750" indent="-285750">
+                      <a:pPr marL="285750" marR="0" lvl="0" indent="-285750" algn="l" defTabSz="914400" rtl="0" eaLnBrk="1" fontAlgn="auto" latinLnBrk="0" hangingPunct="1">
+                        <a:lnSpc>
+                          <a:spcPct val="100000"/>
+                        </a:lnSpc>
+                        <a:spcBef>
+                          <a:spcPts val="0"/>
+                        </a:spcBef>
+                        <a:spcAft>
+                          <a:spcPts val="0"/>
+                        </a:spcAft>
+                        <a:buClrTx/>
+                        <a:buSzTx/>
                         <a:buFont typeface="Arial" panose="020B0604020202020204" pitchFamily="34" charset="0"/>
                         <a:buChar char="•"/>
+                        <a:tabLst/>
+                        <a:defRPr/>
                       </a:pPr>
                       <a:r>
                         <a:rPr lang="en-US" sz="2000" dirty="0">
                           <a:latin typeface="Helvetica" panose="020B0504020202030204" pitchFamily="34" charset="0"/>
                         </a:rPr>
-                        <a:t>Age-structured models</a:t>
-                      </a:r>
-                    </a:p>
-                    <a:p>
-                      <a:pPr marL="285750" indent="-285750">
-                        <a:buFont typeface="Arial" panose="020B0604020202020204" pitchFamily="34" charset="0"/>
-                        <a:buChar char="•"/>
-                      </a:pPr>
-                      <a:r>
-                        <a:rPr lang="en-US" sz="2000" i="0" dirty="0">
-                          <a:latin typeface="Helvetica" panose="020B0504020202030204" pitchFamily="34" charset="0"/>
-                        </a:rPr>
-                        <a:t>Model diagnostics and selection</a:t>
+                        <a:t>Estimating uncertainty</a:t>
                       </a:r>
                     </a:p>
                   </a:txBody>
@@ -11105,8 +11106,8 @@
           </a:p>
         </p:txBody>
       </p:sp>
-      <mc:AlternateContent xmlns:mc="http://schemas.openxmlformats.org/markup-compatibility/2006">
-        <mc:Choice xmlns:a14="http://schemas.microsoft.com/office/drawing/2010/main" Requires="a14">
+      <mc:AlternateContent xmlns:mc="http://schemas.openxmlformats.org/markup-compatibility/2006" xmlns:a14="http://schemas.microsoft.com/office/drawing/2010/main">
+        <mc:Choice Requires="a14">
           <p:sp>
             <p:nvSpPr>
               <p:cNvPr id="6" name="TextBox 5">
@@ -11172,14 +11173,7 @@
                           <a:latin typeface="Cambria Math" panose="02040503050406030204" pitchFamily="18" charset="0"/>
                           <a:ea typeface="Cambria Math" panose="02040503050406030204" pitchFamily="18" charset="0"/>
                         </a:rPr>
-                        <m:t>𝐷</m:t>
-                      </m:r>
-                      <m:r>
-                        <a:rPr lang="en-US" sz="3600" b="0" i="1" smtClean="0">
-                          <a:latin typeface="Cambria Math" panose="02040503050406030204" pitchFamily="18" charset="0"/>
-                          <a:ea typeface="Cambria Math" panose="02040503050406030204" pitchFamily="18" charset="0"/>
-                        </a:rPr>
-                        <m:t>𝑎𝑡𝑎</m:t>
+                        <m:t>𝐷𝑎𝑡𝑎</m:t>
                       </m:r>
                       <m:r>
                         <a:rPr lang="en-US" sz="3600" b="0" i="1" smtClean="0">
@@ -11196,7 +11190,7 @@
             </p:txBody>
           </p:sp>
         </mc:Choice>
-        <mc:Fallback>
+        <mc:Fallback xmlns="">
           <p:sp>
             <p:nvSpPr>
               <p:cNvPr id="6" name="TextBox 5">
@@ -11482,7 +11476,7 @@
           <a:graphicData uri="http://schemas.openxmlformats.org/presentationml/2006/ole">
             <mc:AlternateContent xmlns:mc="http://schemas.openxmlformats.org/markup-compatibility/2006">
               <mc:Choice xmlns:v="urn:schemas-microsoft-com:vml" Requires="v">
-                <p:oleObj spid="_x0000_s3171" name="Equation" r:id="rId3" imgW="1790700" imgH="228600" progId="Equation.DSMT4">
+                <p:oleObj spid="_x0000_s3173" name="Equation" r:id="rId3" imgW="1790700" imgH="228600" progId="Equation.DSMT4">
                   <p:embed/>
                 </p:oleObj>
               </mc:Choice>

--- a/Day1/1a_Introduction/Introduction.pptx
+++ b/Day1/1a_Introduction/Introduction.pptx
@@ -4206,7 +4206,7 @@
           <a:graphicData uri="http://schemas.openxmlformats.org/presentationml/2006/ole">
             <mc:AlternateContent xmlns:mc="http://schemas.openxmlformats.org/markup-compatibility/2006">
               <mc:Choice xmlns:v="urn:schemas-microsoft-com:vml" Requires="v">
-                <p:oleObj spid="_x0000_s6181" name="Equation" r:id="rId3" imgW="1219200" imgH="419100" progId="Equation.DSMT4">
+                <p:oleObj spid="_x0000_s6182" name="Equation" r:id="rId3" imgW="1219200" imgH="419100" progId="Equation.DSMT4">
                   <p:embed/>
                 </p:oleObj>
               </mc:Choice>
@@ -11476,7 +11476,7 @@
           <a:graphicData uri="http://schemas.openxmlformats.org/presentationml/2006/ole">
             <mc:AlternateContent xmlns:mc="http://schemas.openxmlformats.org/markup-compatibility/2006">
               <mc:Choice xmlns:v="urn:schemas-microsoft-com:vml" Requires="v">
-                <p:oleObj spid="_x0000_s3173" name="Equation" r:id="rId3" imgW="1790700" imgH="228600" progId="Equation.DSMT4">
+                <p:oleObj spid="_x0000_s3174" name="Equation" r:id="rId3" imgW="1790700" imgH="228600" progId="Equation.DSMT4">
                   <p:embed/>
                 </p:oleObj>
               </mc:Choice>
